--- a/Cybe Leadership Slide Examples.pptx
+++ b/Cybe Leadership Slide Examples.pptx
@@ -6266,8 +6266,12 @@
           <a:p>
             <a:pPr algn="ctr"/>
             <a:r>
+              <a:rPr lang="en-GB" sz="1400"/>
+              <a:t>Conduct an </a:t>
+            </a:r>
+            <a:r>
               <a:rPr lang="en-GB" sz="1400" dirty="0"/>
-              <a:t>Conduct and internal asset discovery</a:t>
+              <a:t>internal asset discovery</a:t>
             </a:r>
           </a:p>
         </p:txBody>
@@ -11665,15 +11669,15 @@
 <file path=customXml/itemProps3.xml><?xml version="1.0" encoding="utf-8"?>
 <ds:datastoreItem xmlns:ds="http://schemas.openxmlformats.org/officeDocument/2006/customXml" ds:itemID="{D14EB205-ECFE-467E-B7BA-09F50997D440}">
   <ds:schemaRefs>
+    <ds:schemaRef ds:uri="http://purl.org/dc/terms/"/>
     <ds:schemaRef ds:uri="http://schemas.microsoft.com/office/2006/documentManagement/types"/>
-    <ds:schemaRef ds:uri="33d0595e-9757-4061-8573-643a0e698ae7"/>
+    <ds:schemaRef ds:uri="http://schemas.microsoft.com/office/infopath/2007/PartnerControls"/>
     <ds:schemaRef ds:uri="http://purl.org/dc/elements/1.1/"/>
     <ds:schemaRef ds:uri="http://schemas.microsoft.com/office/2006/metadata/properties"/>
-    <ds:schemaRef ds:uri="http://schemas.microsoft.com/sharepoint/v3"/>
-    <ds:schemaRef ds:uri="http://schemas.microsoft.com/office/infopath/2007/PartnerControls"/>
-    <ds:schemaRef ds:uri="http://purl.org/dc/terms/"/>
     <ds:schemaRef ds:uri="http://schemas.openxmlformats.org/package/2006/metadata/core-properties"/>
     <ds:schemaRef ds:uri="a2e1cebc-971a-4e06-a063-f1ccbd3a8d4f"/>
+    <ds:schemaRef ds:uri="http://schemas.microsoft.com/sharepoint/v3"/>
+    <ds:schemaRef ds:uri="33d0595e-9757-4061-8573-643a0e698ae7"/>
     <ds:schemaRef ds:uri="http://www.w3.org/XML/1998/namespace"/>
     <ds:schemaRef ds:uri="http://purl.org/dc/dcmitype/"/>
   </ds:schemaRefs>
